--- a/OpenCBLS/src/khmtk60/miniprojects/G10/G10.pptx
+++ b/OpenCBLS/src/khmtk60/miniprojects/G10/G10.pptx
@@ -11,10 +11,11 @@
     <p:sldId id="262" r:id="rId5"/>
     <p:sldId id="266" r:id="rId6"/>
     <p:sldId id="260" r:id="rId7"/>
-    <p:sldId id="261" r:id="rId8"/>
-    <p:sldId id="264" r:id="rId9"/>
-    <p:sldId id="263" r:id="rId10"/>
-    <p:sldId id="265" r:id="rId11"/>
+    <p:sldId id="267" r:id="rId8"/>
+    <p:sldId id="261" r:id="rId9"/>
+    <p:sldId id="264" r:id="rId10"/>
+    <p:sldId id="263" r:id="rId11"/>
+    <p:sldId id="265" r:id="rId12"/>
   </p:sldIdLst>
   <p:sldSz cx="12192000" cy="6858000"/>
   <p:notesSz cx="6858000" cy="9144000"/>
@@ -9288,6 +9289,248 @@
       </p:grpSpPr>
       <p:sp>
         <p:nvSpPr>
+          <p:cNvPr id="2" name="Title 1"/>
+          <p:cNvSpPr>
+            <a:spLocks noGrp="1"/>
+          </p:cNvSpPr>
+          <p:nvPr>
+            <p:ph type="title"/>
+          </p:nvPr>
+        </p:nvSpPr>
+        <p:spPr/>
+        <p:txBody>
+          <a:bodyPr/>
+          <a:lstStyle/>
+          <a:p>
+            <a:r>
+              <a:rPr lang="en-US" dirty="0" err="1"/>
+              <a:t>Kết</a:t>
+            </a:r>
+            <a:r>
+              <a:rPr lang="en-US" dirty="0"/>
+              <a:t> </a:t>
+            </a:r>
+            <a:r>
+              <a:rPr lang="en-US" dirty="0" err="1"/>
+              <a:t>quả</a:t>
+            </a:r>
+            <a:r>
+              <a:rPr lang="en-US" dirty="0"/>
+              <a:t> </a:t>
+            </a:r>
+            <a:r>
+              <a:rPr lang="en-US" dirty="0" err="1"/>
+              <a:t>thử</a:t>
+            </a:r>
+            <a:r>
+              <a:rPr lang="en-US" dirty="0"/>
+              <a:t> </a:t>
+            </a:r>
+            <a:r>
+              <a:rPr lang="en-US" dirty="0" err="1"/>
+              <a:t>nghiệm</a:t>
+            </a:r>
+            <a:endParaRPr lang="en-US" dirty="0"/>
+          </a:p>
+        </p:txBody>
+      </p:sp>
+      <p:sp>
+        <p:nvSpPr>
+          <p:cNvPr id="3" name="Content Placeholder 2"/>
+          <p:cNvSpPr>
+            <a:spLocks noGrp="1"/>
+          </p:cNvSpPr>
+          <p:nvPr>
+            <p:ph idx="1"/>
+          </p:nvPr>
+        </p:nvSpPr>
+        <p:spPr/>
+        <p:txBody>
+          <a:bodyPr/>
+          <a:lstStyle/>
+          <a:p>
+            <a:r>
+              <a:rPr lang="en-US" dirty="0"/>
+              <a:t>Batch hill climbing: </a:t>
+            </a:r>
+          </a:p>
+          <a:p>
+            <a:pPr lvl="1"/>
+            <a:r>
+              <a:rPr lang="en-US" dirty="0" err="1"/>
+              <a:t>Thời</a:t>
+            </a:r>
+            <a:r>
+              <a:rPr lang="en-US" dirty="0"/>
+              <a:t> </a:t>
+            </a:r>
+            <a:r>
+              <a:rPr lang="en-US" dirty="0" err="1"/>
+              <a:t>gian</a:t>
+            </a:r>
+            <a:r>
+              <a:rPr lang="en-US" dirty="0"/>
+              <a:t> </a:t>
+            </a:r>
+            <a:r>
+              <a:rPr lang="en-US" dirty="0" err="1"/>
+              <a:t>chạy</a:t>
+            </a:r>
+            <a:r>
+              <a:rPr lang="en-US" dirty="0"/>
+              <a:t>: 25 s/step (batch size 25)</a:t>
+            </a:r>
+          </a:p>
+          <a:p>
+            <a:pPr lvl="1"/>
+            <a:r>
+              <a:rPr lang="en-US" dirty="0" err="1"/>
+              <a:t>Kết</a:t>
+            </a:r>
+            <a:r>
+              <a:rPr lang="en-US" dirty="0"/>
+              <a:t> </a:t>
+            </a:r>
+            <a:r>
+              <a:rPr lang="en-US" dirty="0" err="1"/>
+              <a:t>quả</a:t>
+            </a:r>
+            <a:r>
+              <a:rPr lang="en-US" dirty="0"/>
+              <a:t>: - 455 items </a:t>
+            </a:r>
+            <a:r>
+              <a:rPr lang="en-US" dirty="0" err="1"/>
+              <a:t>cho</a:t>
+            </a:r>
+            <a:r>
+              <a:rPr lang="en-US" dirty="0"/>
+              <a:t> file 1000 (600 steps)</a:t>
+            </a:r>
+          </a:p>
+          <a:p>
+            <a:pPr lvl="1"/>
+            <a:endParaRPr lang="en-US" dirty="0"/>
+          </a:p>
+          <a:p>
+            <a:endParaRPr lang="en-US" dirty="0"/>
+          </a:p>
+          <a:p>
+            <a:r>
+              <a:rPr lang="en-US" dirty="0"/>
+              <a:t>Greedy: </a:t>
+            </a:r>
+          </a:p>
+          <a:p>
+            <a:pPr lvl="1"/>
+            <a:r>
+              <a:rPr lang="en-US" dirty="0" err="1"/>
+              <a:t>Thời</a:t>
+            </a:r>
+            <a:r>
+              <a:rPr lang="en-US" dirty="0"/>
+              <a:t> </a:t>
+            </a:r>
+            <a:r>
+              <a:rPr lang="en-US" dirty="0" err="1"/>
+              <a:t>gian</a:t>
+            </a:r>
+            <a:r>
+              <a:rPr lang="en-US" dirty="0"/>
+              <a:t> </a:t>
+            </a:r>
+            <a:r>
+              <a:rPr lang="en-US" dirty="0" err="1"/>
+              <a:t>chạy</a:t>
+            </a:r>
+            <a:r>
+              <a:rPr lang="en-US" dirty="0"/>
+              <a:t>: 1~2 </a:t>
+            </a:r>
+            <a:r>
+              <a:rPr lang="en-US" dirty="0" err="1"/>
+              <a:t>phút</a:t>
+            </a:r>
+            <a:endParaRPr lang="en-US" dirty="0"/>
+          </a:p>
+          <a:p>
+            <a:pPr lvl="1"/>
+            <a:r>
+              <a:rPr lang="en-US" dirty="0" err="1"/>
+              <a:t>Kết</a:t>
+            </a:r>
+            <a:r>
+              <a:rPr lang="en-US" dirty="0"/>
+              <a:t> </a:t>
+            </a:r>
+            <a:r>
+              <a:rPr lang="en-US" dirty="0" err="1"/>
+              <a:t>quả</a:t>
+            </a:r>
+            <a:r>
+              <a:rPr lang="en-US" dirty="0"/>
+              <a:t>: - 610 items </a:t>
+            </a:r>
+            <a:r>
+              <a:rPr lang="en-US" dirty="0" err="1"/>
+              <a:t>cho</a:t>
+            </a:r>
+            <a:r>
+              <a:rPr lang="en-US" dirty="0"/>
+              <a:t> file 1000</a:t>
+            </a:r>
+          </a:p>
+          <a:p>
+            <a:pPr marL="457200" lvl="1" indent="0">
+              <a:buNone/>
+            </a:pPr>
+            <a:r>
+              <a:rPr lang="en-US" dirty="0"/>
+              <a:t>                  - 2582 items </a:t>
+            </a:r>
+            <a:r>
+              <a:rPr lang="en-US" dirty="0" err="1"/>
+              <a:t>cho</a:t>
+            </a:r>
+            <a:r>
+              <a:rPr lang="en-US" dirty="0"/>
+              <a:t> file 3000</a:t>
+            </a:r>
+          </a:p>
+        </p:txBody>
+      </p:sp>
+    </p:spTree>
+    <p:extLst>
+      <p:ext uri="{BB962C8B-B14F-4D97-AF65-F5344CB8AC3E}">
+        <p14:creationId xmlns:p14="http://schemas.microsoft.com/office/powerpoint/2010/main" val="4054432532"/>
+      </p:ext>
+    </p:extLst>
+  </p:cSld>
+  <p:clrMapOvr>
+    <a:masterClrMapping/>
+  </p:clrMapOvr>
+</p:sld>
+</file>
+
+<file path=ppt/slides/slide11.xml><?xml version="1.0" encoding="utf-8"?>
+<p:sld xmlns:a="http://schemas.openxmlformats.org/drawingml/2006/main" xmlns:r="http://schemas.openxmlformats.org/officeDocument/2006/relationships" xmlns:p="http://schemas.openxmlformats.org/presentationml/2006/main">
+  <p:cSld>
+    <p:spTree>
+      <p:nvGrpSpPr>
+        <p:cNvPr id="1" name=""/>
+        <p:cNvGrpSpPr/>
+        <p:nvPr/>
+      </p:nvGrpSpPr>
+      <p:grpSpPr>
+        <a:xfrm>
+          <a:off x="0" y="0"/>
+          <a:ext cx="0" cy="0"/>
+          <a:chOff x="0" y="0"/>
+          <a:chExt cx="0" cy="0"/>
+        </a:xfrm>
+      </p:grpSpPr>
+      <p:sp>
+        <p:nvSpPr>
           <p:cNvPr id="2" name="Title 1">
             <a:extLst>
               <a:ext uri="{FF2B5EF4-FFF2-40B4-BE49-F238E27FC236}">
@@ -12123,7 +12366,13 @@
       </p:grpSpPr>
       <p:sp>
         <p:nvSpPr>
-          <p:cNvPr id="2" name="Title 1"/>
+          <p:cNvPr id="2" name="Title 1">
+            <a:extLst>
+              <a:ext uri="{FF2B5EF4-FFF2-40B4-BE49-F238E27FC236}">
+                <a16:creationId xmlns:a16="http://schemas.microsoft.com/office/drawing/2014/main" id="{3F68FDDE-6A0C-4C8C-90AB-9CF274913C07}"/>
+              </a:ext>
+            </a:extLst>
+          </p:cNvPr>
           <p:cNvSpPr>
             <a:spLocks noGrp="1"/>
           </p:cNvSpPr>
@@ -12138,39 +12387,56 @@
           <a:p>
             <a:r>
               <a:rPr lang="en-US" dirty="0" err="1"/>
-              <a:t>Thuật</a:t>
-            </a:r>
-            <a:r>
-              <a:rPr lang="en-US" dirty="0"/>
-              <a:t> </a:t>
-            </a:r>
-            <a:r>
-              <a:rPr lang="en-US" dirty="0" err="1"/>
-              <a:t>toán</a:t>
-            </a:r>
-            <a:r>
-              <a:rPr lang="en-US" dirty="0"/>
-              <a:t> </a:t>
-            </a:r>
-            <a:r>
-              <a:rPr lang="en-US" dirty="0" err="1"/>
-              <a:t>tìm</a:t>
-            </a:r>
-            <a:r>
-              <a:rPr lang="en-US" dirty="0"/>
-              <a:t> </a:t>
-            </a:r>
-            <a:r>
-              <a:rPr lang="en-US" dirty="0" err="1"/>
-              <a:t>kiếm</a:t>
-            </a:r>
-            <a:endParaRPr lang="en-US" dirty="0"/>
+              <a:t>Tiền</a:t>
+            </a:r>
+            <a:r>
+              <a:rPr lang="en-US" dirty="0"/>
+              <a:t> </a:t>
+            </a:r>
+            <a:r>
+              <a:rPr lang="en-US" dirty="0" err="1"/>
+              <a:t>xử</a:t>
+            </a:r>
+            <a:r>
+              <a:rPr lang="en-US" dirty="0"/>
+              <a:t> </a:t>
+            </a:r>
+            <a:r>
+              <a:rPr lang="en-US" dirty="0" err="1"/>
+              <a:t>lý</a:t>
+            </a:r>
+            <a:r>
+              <a:rPr lang="en-US" dirty="0"/>
+              <a:t> (</a:t>
+            </a:r>
+            <a:r>
+              <a:rPr lang="en-US" dirty="0" err="1"/>
+              <a:t>Kết</a:t>
+            </a:r>
+            <a:r>
+              <a:rPr lang="en-US" dirty="0"/>
+              <a:t> </a:t>
+            </a:r>
+            <a:r>
+              <a:rPr lang="en-US" dirty="0" err="1"/>
+              <a:t>quả</a:t>
+            </a:r>
+            <a:r>
+              <a:rPr lang="en-US" dirty="0"/>
+              <a:t>)</a:t>
+            </a:r>
           </a:p>
         </p:txBody>
       </p:sp>
       <p:sp>
         <p:nvSpPr>
-          <p:cNvPr id="3" name="Content Placeholder 2"/>
+          <p:cNvPr id="3" name="Content Placeholder 2">
+            <a:extLst>
+              <a:ext uri="{FF2B5EF4-FFF2-40B4-BE49-F238E27FC236}">
+                <a16:creationId xmlns:a16="http://schemas.microsoft.com/office/drawing/2014/main" id="{F36DE8A9-F555-45E7-A0EA-DD947CDF4A0C}"/>
+              </a:ext>
+            </a:extLst>
+          </p:cNvPr>
           <p:cNvSpPr>
             <a:spLocks noGrp="1"/>
           </p:cNvSpPr>
@@ -12178,358 +12444,56 @@
             <p:ph idx="1"/>
           </p:nvPr>
         </p:nvSpPr>
-        <p:spPr>
-          <a:xfrm>
-            <a:off x="677334" y="1830389"/>
-            <a:ext cx="8596668" cy="3880773"/>
-          </a:xfrm>
-        </p:spPr>
+        <p:spPr/>
         <p:txBody>
           <a:bodyPr/>
           <a:lstStyle/>
           <a:p>
             <a:r>
               <a:rPr lang="en-US" dirty="0"/>
-              <a:t>Batch hill climbing: </a:t>
-            </a:r>
-          </a:p>
-          <a:p>
-            <a:pPr marL="800100" lvl="1" indent="-342900">
-              <a:buFont typeface="+mj-lt"/>
-              <a:buAutoNum type="arabicPeriod"/>
-            </a:pPr>
-            <a:r>
-              <a:rPr lang="en-US" dirty="0" err="1"/>
-              <a:t>Trộn</a:t>
-            </a:r>
-            <a:r>
-              <a:rPr lang="en-US" dirty="0"/>
-              <a:t> </a:t>
-            </a:r>
-            <a:r>
-              <a:rPr lang="en-US" dirty="0" err="1"/>
-              <a:t>và</a:t>
-            </a:r>
-            <a:r>
-              <a:rPr lang="en-US" dirty="0"/>
-              <a:t> </a:t>
-            </a:r>
-            <a:r>
-              <a:rPr lang="en-US" dirty="0" err="1"/>
-              <a:t>tách</a:t>
-            </a:r>
-            <a:r>
-              <a:rPr lang="en-US" dirty="0"/>
-              <a:t> </a:t>
-            </a:r>
-            <a:r>
-              <a:rPr lang="en-US" dirty="0" err="1"/>
-              <a:t>tập</a:t>
-            </a:r>
-            <a:r>
-              <a:rPr lang="en-US" dirty="0"/>
-              <a:t> item ra </a:t>
-            </a:r>
-            <a:r>
-              <a:rPr lang="en-US" dirty="0" err="1"/>
-              <a:t>từng</a:t>
-            </a:r>
-            <a:r>
-              <a:rPr lang="en-US" dirty="0"/>
-              <a:t> batch </a:t>
-            </a:r>
-            <a:r>
-              <a:rPr lang="en-US" dirty="0" err="1"/>
-              <a:t>nhỏ</a:t>
-            </a:r>
-            <a:r>
-              <a:rPr lang="en-US" dirty="0"/>
-              <a:t> (25~50)</a:t>
-            </a:r>
-          </a:p>
-          <a:p>
-            <a:pPr marL="800100" lvl="1" indent="-342900">
-              <a:buFont typeface="+mj-lt"/>
-              <a:buAutoNum type="arabicPeriod"/>
-            </a:pPr>
-            <a:r>
-              <a:rPr lang="en-US" dirty="0"/>
-              <a:t>Ở </a:t>
-            </a:r>
-            <a:r>
-              <a:rPr lang="en-US" dirty="0" err="1"/>
-              <a:t>mỗi</a:t>
-            </a:r>
-            <a:r>
-              <a:rPr lang="en-US" dirty="0"/>
-              <a:t> batch </a:t>
-            </a:r>
-            <a:r>
-              <a:rPr lang="en-US" dirty="0" err="1"/>
-              <a:t>nhỏ</a:t>
-            </a:r>
-            <a:r>
-              <a:rPr lang="en-US" dirty="0"/>
-              <a:t>:</a:t>
-            </a:r>
-          </a:p>
-          <a:p>
-            <a:pPr marL="1257300" lvl="2" indent="-342900">
-              <a:buFont typeface="+mj-lt"/>
-              <a:buAutoNum type="arabicPeriod"/>
-            </a:pPr>
-            <a:r>
-              <a:rPr lang="en-US" dirty="0" err="1"/>
-              <a:t>Tìm</a:t>
-            </a:r>
-            <a:r>
-              <a:rPr lang="en-US" dirty="0"/>
-              <a:t> ra </a:t>
-            </a:r>
-            <a:r>
-              <a:rPr lang="en-US" dirty="0" err="1"/>
-              <a:t>phần</a:t>
-            </a:r>
-            <a:r>
-              <a:rPr lang="en-US" dirty="0"/>
-              <a:t> </a:t>
-            </a:r>
-            <a:r>
-              <a:rPr lang="en-US" dirty="0" err="1"/>
-              <a:t>tử</a:t>
-            </a:r>
-            <a:r>
-              <a:rPr lang="en-US" dirty="0"/>
-              <a:t> vi </a:t>
-            </a:r>
-            <a:r>
-              <a:rPr lang="en-US" dirty="0" err="1"/>
-              <a:t>phạm</a:t>
-            </a:r>
-            <a:r>
-              <a:rPr lang="en-US" dirty="0"/>
-              <a:t> </a:t>
-            </a:r>
-            <a:r>
-              <a:rPr lang="en-US" dirty="0" err="1"/>
-              <a:t>nhiều</a:t>
-            </a:r>
-            <a:r>
-              <a:rPr lang="en-US" dirty="0"/>
-              <a:t> </a:t>
-            </a:r>
-            <a:r>
-              <a:rPr lang="en-US" dirty="0" err="1"/>
-              <a:t>nhất</a:t>
-            </a:r>
-            <a:r>
-              <a:rPr lang="en-US" dirty="0"/>
-              <a:t>.</a:t>
-            </a:r>
-          </a:p>
-          <a:p>
-            <a:pPr marL="1257300" lvl="2" indent="-342900">
-              <a:buFont typeface="+mj-lt"/>
-              <a:buAutoNum type="arabicPeriod"/>
-            </a:pPr>
-            <a:r>
-              <a:rPr lang="en-US" dirty="0" err="1"/>
-              <a:t>Cập</a:t>
-            </a:r>
-            <a:r>
-              <a:rPr lang="en-US" dirty="0"/>
-              <a:t> </a:t>
-            </a:r>
-            <a:r>
-              <a:rPr lang="en-US" dirty="0" err="1"/>
-              <a:t>nhật</a:t>
-            </a:r>
-            <a:r>
-              <a:rPr lang="en-US" dirty="0"/>
-              <a:t> </a:t>
-            </a:r>
-            <a:r>
-              <a:rPr lang="en-US" dirty="0" err="1"/>
-              <a:t>cho</a:t>
-            </a:r>
-            <a:r>
-              <a:rPr lang="en-US" dirty="0"/>
-              <a:t> </a:t>
-            </a:r>
-            <a:r>
-              <a:rPr lang="en-US" dirty="0" err="1"/>
-              <a:t>phần</a:t>
-            </a:r>
-            <a:r>
-              <a:rPr lang="en-US" dirty="0"/>
-              <a:t> </a:t>
-            </a:r>
-            <a:r>
-              <a:rPr lang="en-US" dirty="0" err="1"/>
-              <a:t>tử</a:t>
-            </a:r>
-            <a:r>
-              <a:rPr lang="en-US" dirty="0"/>
-              <a:t> </a:t>
-            </a:r>
-            <a:r>
-              <a:rPr lang="en-US" dirty="0" err="1"/>
-              <a:t>đó</a:t>
-            </a:r>
-            <a:r>
-              <a:rPr lang="en-US" dirty="0"/>
-              <a:t> </a:t>
-            </a:r>
-            <a:r>
-              <a:rPr lang="en-US" dirty="0" err="1"/>
-              <a:t>giá</a:t>
-            </a:r>
-            <a:r>
-              <a:rPr lang="en-US" dirty="0"/>
-              <a:t> </a:t>
-            </a:r>
-            <a:r>
-              <a:rPr lang="en-US" dirty="0" err="1"/>
-              <a:t>trị</a:t>
-            </a:r>
-            <a:r>
-              <a:rPr lang="en-US" dirty="0"/>
-              <a:t> </a:t>
-            </a:r>
-            <a:r>
-              <a:rPr lang="en-US" dirty="0" err="1"/>
-              <a:t>làm</a:t>
-            </a:r>
-            <a:r>
-              <a:rPr lang="en-US" dirty="0"/>
-              <a:t> </a:t>
-            </a:r>
-            <a:r>
-              <a:rPr lang="en-US" dirty="0" err="1"/>
-              <a:t>giảm</a:t>
-            </a:r>
-            <a:r>
-              <a:rPr lang="en-US" dirty="0"/>
-              <a:t> </a:t>
-            </a:r>
-            <a:r>
-              <a:rPr lang="en-US" dirty="0" err="1"/>
-              <a:t>nhiều</a:t>
-            </a:r>
-            <a:r>
-              <a:rPr lang="en-US" dirty="0"/>
-              <a:t> violation </a:t>
-            </a:r>
-            <a:r>
-              <a:rPr lang="en-US" dirty="0" err="1"/>
-              <a:t>nhất</a:t>
-            </a:r>
-            <a:r>
-              <a:rPr lang="en-US" dirty="0"/>
-              <a:t>.</a:t>
-            </a:r>
-          </a:p>
-          <a:p>
-            <a:pPr marL="800100" lvl="1" indent="-342900">
-              <a:buFont typeface="+mj-lt"/>
-              <a:buAutoNum type="arabicPeriod"/>
-            </a:pPr>
-            <a:r>
-              <a:rPr lang="en-US" dirty="0" err="1"/>
-              <a:t>Thực</a:t>
-            </a:r>
-            <a:r>
-              <a:rPr lang="en-US" dirty="0"/>
-              <a:t> </a:t>
-            </a:r>
-            <a:r>
-              <a:rPr lang="en-US" dirty="0" err="1"/>
-              <a:t>hiện</a:t>
-            </a:r>
-            <a:r>
-              <a:rPr lang="en-US" dirty="0"/>
-              <a:t> </a:t>
-            </a:r>
-            <a:r>
-              <a:rPr lang="en-US" dirty="0" err="1"/>
-              <a:t>lần</a:t>
-            </a:r>
-            <a:r>
-              <a:rPr lang="en-US" dirty="0"/>
-              <a:t> l</a:t>
-            </a:r>
-            <a:r>
-              <a:rPr lang="vi-VN" dirty="0"/>
-              <a:t>ư</a:t>
-            </a:r>
-            <a:r>
-              <a:rPr lang="en-US" dirty="0" err="1"/>
-              <a:t>ợt</a:t>
-            </a:r>
-            <a:r>
-              <a:rPr lang="en-US" dirty="0"/>
-              <a:t> </a:t>
-            </a:r>
-            <a:r>
-              <a:rPr lang="en-US" dirty="0" err="1"/>
-              <a:t>cho</a:t>
-            </a:r>
-            <a:r>
-              <a:rPr lang="en-US" dirty="0"/>
-              <a:t> </a:t>
-            </a:r>
-            <a:r>
-              <a:rPr lang="en-US" dirty="0" err="1"/>
-              <a:t>hết</a:t>
-            </a:r>
-            <a:r>
-              <a:rPr lang="en-US" dirty="0"/>
-              <a:t> batch </a:t>
-            </a:r>
-            <a:r>
-              <a:rPr lang="en-US" dirty="0" err="1"/>
-              <a:t>rồi</a:t>
-            </a:r>
-            <a:r>
-              <a:rPr lang="en-US" dirty="0"/>
-              <a:t> quay </a:t>
-            </a:r>
-            <a:r>
-              <a:rPr lang="en-US" dirty="0" err="1"/>
-              <a:t>lại</a:t>
-            </a:r>
-            <a:r>
-              <a:rPr lang="en-US" dirty="0"/>
-              <a:t> b</a:t>
-            </a:r>
-            <a:r>
-              <a:rPr lang="vi-VN" dirty="0"/>
-              <a:t>ư</a:t>
-            </a:r>
-            <a:r>
-              <a:rPr lang="en-US" dirty="0" err="1"/>
-              <a:t>ớc</a:t>
-            </a:r>
-            <a:r>
-              <a:rPr lang="en-US" dirty="0"/>
-              <a:t> 1.</a:t>
-            </a:r>
-          </a:p>
-          <a:p>
-            <a:pPr marL="457200" lvl="1" indent="0">
-              <a:buNone/>
-            </a:pPr>
-            <a:endParaRPr lang="en-US" dirty="0"/>
-          </a:p>
-          <a:p>
-            <a:endParaRPr lang="en-US" dirty="0"/>
+              <a:t>File 1000 item: </a:t>
+            </a:r>
+          </a:p>
+          <a:p>
+            <a:pPr lvl="1"/>
+            <a:r>
+              <a:rPr lang="en-US" dirty="0"/>
+              <a:t>Remove item: 76 </a:t>
+            </a:r>
+          </a:p>
+          <a:p>
+            <a:pPr lvl="1"/>
+            <a:r>
+              <a:rPr lang="en-US" dirty="0"/>
+              <a:t>Remove bin: 976 </a:t>
+            </a:r>
+          </a:p>
+          <a:p>
+            <a:r>
+              <a:rPr lang="en-US" dirty="0"/>
+              <a:t>File 3000 item: </a:t>
+            </a:r>
+          </a:p>
+          <a:p>
+            <a:pPr lvl="1"/>
+            <a:r>
+              <a:rPr lang="en-US" dirty="0"/>
+              <a:t>Remove item: 31 </a:t>
+            </a:r>
+          </a:p>
+          <a:p>
+            <a:pPr lvl="1"/>
+            <a:r>
+              <a:rPr lang="en-US" dirty="0"/>
+              <a:t>Remove bin: 751</a:t>
+            </a:r>
           </a:p>
         </p:txBody>
       </p:sp>
     </p:spTree>
     <p:extLst>
       <p:ext uri="{BB962C8B-B14F-4D97-AF65-F5344CB8AC3E}">
-        <p14:creationId xmlns:p14="http://schemas.microsoft.com/office/powerpoint/2010/main" val="3767003778"/>
+        <p14:creationId xmlns:p14="http://schemas.microsoft.com/office/powerpoint/2010/main" val="3548042480"/>
       </p:ext>
     </p:extLst>
   </p:cSld>
@@ -12625,20 +12589,7 @@
           <a:p>
             <a:r>
               <a:rPr lang="en-US" dirty="0"/>
-              <a:t>Greedy: </a:t>
-            </a:r>
-          </a:p>
-          <a:p>
-            <a:pPr marL="457200" lvl="1" indent="0">
-              <a:buNone/>
-            </a:pPr>
-            <a:r>
-              <a:rPr lang="en-US" dirty="0" err="1"/>
-              <a:t>Lần</a:t>
-            </a:r>
-            <a:r>
-              <a:rPr lang="en-US" dirty="0"/>
-              <a:t> 1:</a:t>
+              <a:t>Batch hill climbing: </a:t>
             </a:r>
           </a:p>
           <a:p>
@@ -12648,43 +12599,11 @@
             </a:pPr>
             <a:r>
               <a:rPr lang="en-US" dirty="0" err="1"/>
-              <a:t>Tách</a:t>
-            </a:r>
-            <a:r>
-              <a:rPr lang="en-US" dirty="0"/>
-              <a:t> item </a:t>
-            </a:r>
-            <a:r>
-              <a:rPr lang="en-US" dirty="0" err="1"/>
-              <a:t>thành</a:t>
-            </a:r>
-            <a:r>
-              <a:rPr lang="en-US" dirty="0"/>
-              <a:t> </a:t>
-            </a:r>
-            <a:r>
-              <a:rPr lang="en-US" dirty="0" err="1"/>
-              <a:t>các</a:t>
-            </a:r>
-            <a:r>
-              <a:rPr lang="en-US" dirty="0"/>
-              <a:t> group </a:t>
-            </a:r>
-            <a:r>
-              <a:rPr lang="en-US" dirty="0" err="1"/>
-              <a:t>theo</a:t>
-            </a:r>
-            <a:r>
-              <a:rPr lang="en-US" dirty="0"/>
-              <a:t> </a:t>
-            </a:r>
-            <a:r>
-              <a:rPr lang="en-US" dirty="0">
-                <a:solidFill>
-                  <a:srgbClr val="FF0000"/>
-                </a:solidFill>
-              </a:rPr>
-              <a:t>r, t </a:t>
+              <a:t>Trộn</a:t>
+            </a:r>
+            <a:r>
+              <a:rPr lang="en-US" dirty="0"/>
+              <a:t> </a:t>
             </a:r>
             <a:r>
               <a:rPr lang="en-US" dirty="0" err="1"/>
@@ -12696,55 +12615,35 @@
             </a:r>
             <a:r>
               <a:rPr lang="en-US" dirty="0" err="1"/>
-              <a:t>sắp</a:t>
-            </a:r>
-            <a:r>
-              <a:rPr lang="en-US" dirty="0"/>
-              <a:t> </a:t>
-            </a:r>
-            <a:r>
-              <a:rPr lang="en-US" dirty="0" err="1"/>
-              <a:t>xếp</a:t>
-            </a:r>
-            <a:r>
-              <a:rPr lang="en-US" dirty="0"/>
-              <a:t> </a:t>
-            </a:r>
-            <a:r>
-              <a:rPr lang="en-US" dirty="0" err="1"/>
-              <a:t>theo</a:t>
-            </a:r>
-            <a:r>
-              <a:rPr lang="en-US" dirty="0"/>
-              <a:t> </a:t>
-            </a:r>
-            <a:r>
-              <a:rPr lang="en-US" dirty="0" err="1"/>
-              <a:t>tăng</a:t>
-            </a:r>
-            <a:r>
-              <a:rPr lang="en-US" dirty="0"/>
-              <a:t> </a:t>
-            </a:r>
-            <a:r>
-              <a:rPr lang="en-US" dirty="0" err="1"/>
-              <a:t>dần</a:t>
-            </a:r>
-            <a:r>
-              <a:rPr lang="en-US" dirty="0"/>
-              <a:t> </a:t>
-            </a:r>
-            <a:r>
-              <a:rPr lang="en-US" dirty="0">
-                <a:solidFill>
-                  <a:srgbClr val="FF0000"/>
-                </a:solidFill>
-              </a:rPr>
-              <a:t>w</a:t>
-            </a:r>
-            <a:r>
-              <a:rPr lang="en-US" dirty="0"/>
-              <a:t>	</a:t>
+              <a:t>tách</a:t>
+            </a:r>
+            <a:r>
+              <a:rPr lang="en-US" dirty="0"/>
+              <a:t> </a:t>
+            </a:r>
+            <a:r>
+              <a:rPr lang="en-US" dirty="0" err="1"/>
+              <a:t>tập</a:t>
+            </a:r>
+            <a:r>
+              <a:rPr lang="en-US" dirty="0"/>
+              <a:t> item ra </a:t>
+            </a:r>
+            <a:r>
+              <a:rPr lang="en-US" dirty="0" err="1"/>
+              <a:t>từng</a:t>
+            </a:r>
+            <a:r>
+              <a:rPr lang="en-US" dirty="0"/>
+              <a:t> batch </a:t>
+            </a:r>
+            <a:r>
+              <a:rPr lang="en-US" dirty="0" err="1"/>
+              <a:t>nhỏ</a:t>
+            </a:r>
+            <a:r>
+              <a:rPr lang="en-US" dirty="0"/>
+              <a:t> (25~50)</a:t>
             </a:r>
           </a:p>
           <a:p>
@@ -12753,48 +12652,8 @@
               <a:buAutoNum type="arabicPeriod"/>
             </a:pPr>
             <a:r>
-              <a:rPr lang="en-US" dirty="0" err="1"/>
-              <a:t>Xếp</a:t>
-            </a:r>
-            <a:r>
-              <a:rPr lang="en-US" dirty="0"/>
-              <a:t> </a:t>
-            </a:r>
-            <a:r>
-              <a:rPr lang="en-US" dirty="0" err="1"/>
-              <a:t>lần</a:t>
-            </a:r>
-            <a:r>
-              <a:rPr lang="en-US" dirty="0"/>
-              <a:t> l</a:t>
-            </a:r>
-            <a:r>
-              <a:rPr lang="vi-VN" dirty="0"/>
-              <a:t>ư</a:t>
-            </a:r>
-            <a:r>
-              <a:rPr lang="en-US" dirty="0" err="1"/>
-              <a:t>ợt</a:t>
-            </a:r>
-            <a:r>
-              <a:rPr lang="en-US" dirty="0"/>
-              <a:t> </a:t>
-            </a:r>
-            <a:r>
-              <a:rPr lang="en-US" dirty="0" err="1"/>
-              <a:t>các</a:t>
-            </a:r>
-            <a:r>
-              <a:rPr lang="en-US" dirty="0"/>
-              <a:t> item </a:t>
-            </a:r>
-            <a:r>
-              <a:rPr lang="en-US" dirty="0" err="1"/>
-              <a:t>trong</a:t>
-            </a:r>
-            <a:r>
-              <a:rPr lang="en-US" dirty="0"/>
-              <a:t> </a:t>
+              <a:rPr lang="en-US" dirty="0"/>
+              <a:t>Ở </a:t>
             </a:r>
             <a:r>
               <a:rPr lang="en-US" dirty="0" err="1"/>
@@ -12802,123 +12661,87 @@
             </a:r>
             <a:r>
               <a:rPr lang="en-US" dirty="0"/>
-              <a:t> group </a:t>
-            </a:r>
-            <a:r>
-              <a:rPr lang="en-US" dirty="0" err="1"/>
-              <a:t>vào</a:t>
-            </a:r>
-            <a:r>
-              <a:rPr lang="en-US" dirty="0"/>
-              <a:t> bin </a:t>
-            </a:r>
-            <a:r>
-              <a:rPr lang="en-US" dirty="0" err="1"/>
-              <a:t>thuộc</a:t>
-            </a:r>
-            <a:r>
-              <a:rPr lang="en-US" dirty="0"/>
-              <a:t> </a:t>
-            </a:r>
-            <a:r>
-              <a:rPr lang="en-US" dirty="0" err="1"/>
-              <a:t>miền</a:t>
-            </a:r>
-            <a:r>
-              <a:rPr lang="en-US" dirty="0"/>
-              <a:t> </a:t>
-            </a:r>
-            <a:r>
-              <a:rPr lang="en-US" dirty="0">
-                <a:solidFill>
-                  <a:srgbClr val="FF0000"/>
-                </a:solidFill>
-              </a:rPr>
-              <a:t>D</a:t>
-            </a:r>
-            <a:r>
-              <a:rPr lang="en-US" dirty="0"/>
-              <a:t> </a:t>
-            </a:r>
-            <a:r>
-              <a:rPr lang="en-US" dirty="0" err="1"/>
-              <a:t>của</a:t>
-            </a:r>
-            <a:r>
-              <a:rPr lang="en-US" dirty="0"/>
-              <a:t> </a:t>
-            </a:r>
-            <a:r>
-              <a:rPr lang="en-US" dirty="0" err="1"/>
-              <a:t>chúng</a:t>
-            </a:r>
-            <a:r>
-              <a:rPr lang="en-US" dirty="0"/>
-              <a:t> (</a:t>
-            </a:r>
-            <a:r>
-              <a:rPr lang="vi-VN" dirty="0"/>
-              <a:t>ư</a:t>
-            </a:r>
-            <a:r>
-              <a:rPr lang="en-US" dirty="0"/>
-              <a:t>u </a:t>
-            </a:r>
-            <a:r>
-              <a:rPr lang="en-US" dirty="0" err="1"/>
-              <a:t>tiên</a:t>
-            </a:r>
-            <a:r>
-              <a:rPr lang="en-US" dirty="0"/>
-              <a:t> </a:t>
-            </a:r>
-            <a:r>
-              <a:rPr lang="en-US" dirty="0" err="1"/>
-              <a:t>các</a:t>
-            </a:r>
-            <a:r>
-              <a:rPr lang="en-US" dirty="0"/>
-              <a:t> bin </a:t>
-            </a:r>
-            <a:r>
-              <a:rPr lang="en-US" dirty="0" err="1"/>
-              <a:t>sắp</a:t>
-            </a:r>
-            <a:r>
-              <a:rPr lang="en-US" dirty="0"/>
-              <a:t> </a:t>
-            </a:r>
-            <a:r>
-              <a:rPr lang="en-US" dirty="0" err="1"/>
-              <a:t>thỏa</a:t>
-            </a:r>
-            <a:r>
-              <a:rPr lang="en-US" dirty="0"/>
-              <a:t> </a:t>
-            </a:r>
-            <a:r>
-              <a:rPr lang="en-US" dirty="0" err="1"/>
-              <a:t>mãn</a:t>
-            </a:r>
-            <a:r>
-              <a:rPr lang="en-US" dirty="0"/>
-              <a:t> </a:t>
-            </a:r>
-            <a:r>
-              <a:rPr lang="en-US" dirty="0">
-                <a:solidFill>
-                  <a:srgbClr val="FF0000"/>
-                </a:solidFill>
-              </a:rPr>
-              <a:t>LW</a:t>
-            </a:r>
-            <a:r>
-              <a:rPr lang="en-US" dirty="0"/>
-              <a:t>) </a:t>
-            </a:r>
-            <a:r>
-              <a:rPr lang="en-US" dirty="0" err="1"/>
-              <a:t>sao</a:t>
+              <a:t> batch </a:t>
+            </a:r>
+            <a:r>
+              <a:rPr lang="en-US" dirty="0" err="1"/>
+              <a:t>nhỏ</a:t>
+            </a:r>
+            <a:r>
+              <a:rPr lang="en-US" dirty="0"/>
+              <a:t>:</a:t>
+            </a:r>
+          </a:p>
+          <a:p>
+            <a:pPr marL="1257300" lvl="2" indent="-342900">
+              <a:buFont typeface="+mj-lt"/>
+              <a:buAutoNum type="arabicPeriod"/>
+            </a:pPr>
+            <a:r>
+              <a:rPr lang="en-US" dirty="0" err="1"/>
+              <a:t>Tìm</a:t>
+            </a:r>
+            <a:r>
+              <a:rPr lang="en-US" dirty="0"/>
+              <a:t> ra </a:t>
+            </a:r>
+            <a:r>
+              <a:rPr lang="en-US" dirty="0" err="1"/>
+              <a:t>phần</a:t>
+            </a:r>
+            <a:r>
+              <a:rPr lang="en-US" dirty="0"/>
+              <a:t> </a:t>
+            </a:r>
+            <a:r>
+              <a:rPr lang="en-US" dirty="0" err="1"/>
+              <a:t>tử</a:t>
+            </a:r>
+            <a:r>
+              <a:rPr lang="en-US" dirty="0"/>
+              <a:t> vi </a:t>
+            </a:r>
+            <a:r>
+              <a:rPr lang="en-US" dirty="0" err="1"/>
+              <a:t>phạm</a:t>
+            </a:r>
+            <a:r>
+              <a:rPr lang="en-US" dirty="0"/>
+              <a:t> </a:t>
+            </a:r>
+            <a:r>
+              <a:rPr lang="en-US" dirty="0" err="1"/>
+              <a:t>nhiều</a:t>
+            </a:r>
+            <a:r>
+              <a:rPr lang="en-US" dirty="0"/>
+              <a:t> </a:t>
+            </a:r>
+            <a:r>
+              <a:rPr lang="en-US" dirty="0" err="1"/>
+              <a:t>nhất</a:t>
+            </a:r>
+            <a:r>
+              <a:rPr lang="en-US" dirty="0"/>
+              <a:t>.</a:t>
+            </a:r>
+          </a:p>
+          <a:p>
+            <a:pPr marL="1257300" lvl="2" indent="-342900">
+              <a:buFont typeface="+mj-lt"/>
+              <a:buAutoNum type="arabicPeriod"/>
+            </a:pPr>
+            <a:r>
+              <a:rPr lang="en-US" dirty="0" err="1"/>
+              <a:t>Cập</a:t>
+            </a:r>
+            <a:r>
+              <a:rPr lang="en-US" dirty="0"/>
+              <a:t> </a:t>
+            </a:r>
+            <a:r>
+              <a:rPr lang="en-US" dirty="0" err="1"/>
+              <a:t>nhật</a:t>
             </a:r>
             <a:r>
               <a:rPr lang="en-US" dirty="0"/>
@@ -12934,63 +12757,71 @@
             </a:r>
             <a:r>
               <a:rPr lang="en-US" dirty="0" err="1"/>
-              <a:t>điều</a:t>
-            </a:r>
-            <a:r>
-              <a:rPr lang="en-US" dirty="0"/>
-              <a:t> </a:t>
-            </a:r>
-            <a:r>
-              <a:rPr lang="en-US" dirty="0" err="1"/>
-              <a:t>kiện</a:t>
-            </a:r>
-            <a:r>
-              <a:rPr lang="en-US" dirty="0"/>
-              <a:t> </a:t>
-            </a:r>
-            <a:r>
-              <a:rPr lang="en-US" dirty="0" err="1"/>
-              <a:t>về</a:t>
-            </a:r>
-            <a:r>
-              <a:rPr lang="en-US" dirty="0"/>
-              <a:t> </a:t>
-            </a:r>
-            <a:r>
-              <a:rPr lang="en-US" dirty="0">
-                <a:solidFill>
-                  <a:srgbClr val="FF0000"/>
-                </a:solidFill>
-              </a:rPr>
-              <a:t>R,T,P,W</a:t>
-            </a:r>
-            <a:r>
-              <a:rPr lang="en-US" dirty="0"/>
-              <a:t> đ</a:t>
-            </a:r>
-            <a:r>
-              <a:rPr lang="vi-VN" dirty="0"/>
-              <a:t>ư</a:t>
-            </a:r>
-            <a:r>
-              <a:rPr lang="en-US" dirty="0" err="1"/>
-              <a:t>ợc</a:t>
-            </a:r>
-            <a:r>
-              <a:rPr lang="en-US" dirty="0"/>
-              <a:t> </a:t>
-            </a:r>
-            <a:r>
-              <a:rPr lang="en-US" dirty="0" err="1"/>
-              <a:t>thỏa</a:t>
-            </a:r>
-            <a:r>
-              <a:rPr lang="en-US" dirty="0"/>
-              <a:t> </a:t>
-            </a:r>
-            <a:r>
-              <a:rPr lang="en-US" dirty="0" err="1"/>
-              <a:t>mãn</a:t>
+              <a:t>phần</a:t>
+            </a:r>
+            <a:r>
+              <a:rPr lang="en-US" dirty="0"/>
+              <a:t> </a:t>
+            </a:r>
+            <a:r>
+              <a:rPr lang="en-US" dirty="0" err="1"/>
+              <a:t>tử</a:t>
+            </a:r>
+            <a:r>
+              <a:rPr lang="en-US" dirty="0"/>
+              <a:t> </a:t>
+            </a:r>
+            <a:r>
+              <a:rPr lang="en-US" dirty="0" err="1"/>
+              <a:t>đó</a:t>
+            </a:r>
+            <a:r>
+              <a:rPr lang="en-US" dirty="0"/>
+              <a:t> </a:t>
+            </a:r>
+            <a:r>
+              <a:rPr lang="en-US" dirty="0" err="1"/>
+              <a:t>giá</a:t>
+            </a:r>
+            <a:r>
+              <a:rPr lang="en-US" dirty="0"/>
+              <a:t> </a:t>
+            </a:r>
+            <a:r>
+              <a:rPr lang="en-US" dirty="0" err="1"/>
+              <a:t>trị</a:t>
+            </a:r>
+            <a:r>
+              <a:rPr lang="en-US" dirty="0"/>
+              <a:t> </a:t>
+            </a:r>
+            <a:r>
+              <a:rPr lang="en-US" dirty="0" err="1"/>
+              <a:t>làm</a:t>
+            </a:r>
+            <a:r>
+              <a:rPr lang="en-US" dirty="0"/>
+              <a:t> </a:t>
+            </a:r>
+            <a:r>
+              <a:rPr lang="en-US" dirty="0" err="1"/>
+              <a:t>giảm</a:t>
+            </a:r>
+            <a:r>
+              <a:rPr lang="en-US" dirty="0"/>
+              <a:t> </a:t>
+            </a:r>
+            <a:r>
+              <a:rPr lang="en-US" dirty="0" err="1"/>
+              <a:t>nhiều</a:t>
+            </a:r>
+            <a:r>
+              <a:rPr lang="en-US" dirty="0"/>
+              <a:t> violation </a:t>
+            </a:r>
+            <a:r>
+              <a:rPr lang="en-US" dirty="0" err="1"/>
+              <a:t>nhất</a:t>
             </a:r>
             <a:r>
               <a:rPr lang="en-US" dirty="0"/>
@@ -13020,6 +12851,26 @@
             </a:r>
             <a:r>
               <a:rPr lang="en-US" dirty="0" err="1"/>
+              <a:t>lần</a:t>
+            </a:r>
+            <a:r>
+              <a:rPr lang="en-US" dirty="0"/>
+              <a:t> l</a:t>
+            </a:r>
+            <a:r>
+              <a:rPr lang="vi-VN" dirty="0"/>
+              <a:t>ư</a:t>
+            </a:r>
+            <a:r>
+              <a:rPr lang="en-US" dirty="0" err="1"/>
+              <a:t>ợt</a:t>
+            </a:r>
+            <a:r>
+              <a:rPr lang="en-US" dirty="0"/>
+              <a:t> </a:t>
+            </a:r>
+            <a:r>
+              <a:rPr lang="en-US" dirty="0" err="1"/>
               <a:t>cho</a:t>
             </a:r>
             <a:r>
@@ -13028,257 +12879,45 @@
             </a:r>
             <a:r>
               <a:rPr lang="en-US" dirty="0" err="1"/>
-              <a:t>đến</a:t>
-            </a:r>
-            <a:r>
-              <a:rPr lang="en-US" dirty="0"/>
-              <a:t> </a:t>
-            </a:r>
-            <a:r>
-              <a:rPr lang="en-US" dirty="0" err="1"/>
-              <a:t>khi</a:t>
-            </a:r>
-            <a:r>
-              <a:rPr lang="en-US" dirty="0"/>
-              <a:t> </a:t>
-            </a:r>
-            <a:r>
-              <a:rPr lang="en-US" dirty="0" err="1"/>
               <a:t>hết</a:t>
             </a:r>
             <a:r>
               <a:rPr lang="en-US" dirty="0"/>
-              <a:t> </a:t>
-            </a:r>
-            <a:r>
-              <a:rPr lang="en-US" dirty="0" err="1"/>
-              <a:t>tất</a:t>
-            </a:r>
-            <a:r>
-              <a:rPr lang="en-US" dirty="0"/>
-              <a:t> </a:t>
-            </a:r>
-            <a:r>
-              <a:rPr lang="en-US" dirty="0" err="1"/>
-              <a:t>cả</a:t>
-            </a:r>
-            <a:r>
-              <a:rPr lang="en-US" dirty="0"/>
-              <a:t> group.</a:t>
+              <a:t> batch </a:t>
+            </a:r>
+            <a:r>
+              <a:rPr lang="en-US" dirty="0" err="1"/>
+              <a:t>rồi</a:t>
+            </a:r>
+            <a:r>
+              <a:rPr lang="en-US" dirty="0"/>
+              <a:t> quay </a:t>
+            </a:r>
+            <a:r>
+              <a:rPr lang="en-US" dirty="0" err="1"/>
+              <a:t>lại</a:t>
+            </a:r>
+            <a:r>
+              <a:rPr lang="en-US" dirty="0"/>
+              <a:t> b</a:t>
+            </a:r>
+            <a:r>
+              <a:rPr lang="vi-VN" dirty="0"/>
+              <a:t>ư</a:t>
+            </a:r>
+            <a:r>
+              <a:rPr lang="en-US" dirty="0" err="1"/>
+              <a:t>ớc</a:t>
+            </a:r>
+            <a:r>
+              <a:rPr lang="en-US" dirty="0"/>
+              <a:t> 1.</a:t>
             </a:r>
           </a:p>
           <a:p>
             <a:pPr marL="457200" lvl="1" indent="0">
               <a:buNone/>
             </a:pPr>
-            <a:r>
-              <a:rPr lang="en-US" dirty="0" err="1"/>
-              <a:t>Lần</a:t>
-            </a:r>
-            <a:r>
-              <a:rPr lang="en-US" dirty="0"/>
-              <a:t> 2:</a:t>
-            </a:r>
-          </a:p>
-          <a:p>
-            <a:pPr marL="800100" lvl="1" indent="-342900">
-              <a:buFont typeface="+mj-lt"/>
-              <a:buAutoNum type="arabicPeriod"/>
-            </a:pPr>
-            <a:r>
-              <a:rPr lang="en-US" dirty="0" err="1"/>
-              <a:t>Lấy</a:t>
-            </a:r>
-            <a:r>
-              <a:rPr lang="en-US" dirty="0"/>
-              <a:t> ra </a:t>
-            </a:r>
-            <a:r>
-              <a:rPr lang="en-US" dirty="0" err="1"/>
-              <a:t>cả</a:t>
-            </a:r>
-            <a:r>
-              <a:rPr lang="en-US" dirty="0"/>
-              <a:t> items </a:t>
-            </a:r>
-            <a:r>
-              <a:rPr lang="en-US" dirty="0" err="1"/>
-              <a:t>mà</a:t>
-            </a:r>
-            <a:r>
-              <a:rPr lang="en-US" dirty="0"/>
-              <a:t> </a:t>
-            </a:r>
-            <a:r>
-              <a:rPr lang="en-US" dirty="0" err="1"/>
-              <a:t>không</a:t>
-            </a:r>
-            <a:r>
-              <a:rPr lang="en-US" dirty="0"/>
-              <a:t> đ</a:t>
-            </a:r>
-            <a:r>
-              <a:rPr lang="vi-VN" dirty="0"/>
-              <a:t>ư</a:t>
-            </a:r>
-            <a:r>
-              <a:rPr lang="en-US" dirty="0" err="1"/>
-              <a:t>ợc</a:t>
-            </a:r>
-            <a:r>
-              <a:rPr lang="en-US" dirty="0"/>
-              <a:t> </a:t>
-            </a:r>
-            <a:r>
-              <a:rPr lang="en-US" dirty="0" err="1"/>
-              <a:t>xếp</a:t>
-            </a:r>
-            <a:r>
-              <a:rPr lang="en-US" dirty="0"/>
-              <a:t> </a:t>
-            </a:r>
-            <a:r>
-              <a:rPr lang="en-US" dirty="0" err="1"/>
-              <a:t>hoặc</a:t>
-            </a:r>
-            <a:r>
-              <a:rPr lang="en-US" dirty="0"/>
-              <a:t> </a:t>
-            </a:r>
-            <a:r>
-              <a:rPr lang="en-US" dirty="0" err="1"/>
-              <a:t>xếp</a:t>
-            </a:r>
-            <a:r>
-              <a:rPr lang="en-US" dirty="0"/>
-              <a:t> </a:t>
-            </a:r>
-            <a:r>
-              <a:rPr lang="en-US" dirty="0" err="1"/>
-              <a:t>vào</a:t>
-            </a:r>
-            <a:r>
-              <a:rPr lang="en-US" dirty="0"/>
-              <a:t> bin vi </a:t>
-            </a:r>
-            <a:r>
-              <a:rPr lang="en-US" dirty="0" err="1"/>
-              <a:t>phạm</a:t>
-            </a:r>
-            <a:r>
-              <a:rPr lang="en-US" dirty="0"/>
-              <a:t>.</a:t>
-            </a:r>
-          </a:p>
-          <a:p>
-            <a:pPr marL="800100" lvl="1" indent="-342900">
-              <a:buFont typeface="+mj-lt"/>
-              <a:buAutoNum type="arabicPeriod"/>
-            </a:pPr>
-            <a:r>
-              <a:rPr lang="en-US" dirty="0" err="1"/>
-              <a:t>Xếp</a:t>
-            </a:r>
-            <a:r>
-              <a:rPr lang="en-US" dirty="0"/>
-              <a:t> </a:t>
-            </a:r>
-            <a:r>
-              <a:rPr lang="en-US" dirty="0" err="1"/>
-              <a:t>chúng</a:t>
-            </a:r>
-            <a:r>
-              <a:rPr lang="en-US" dirty="0"/>
-              <a:t> </a:t>
-            </a:r>
-            <a:r>
-              <a:rPr lang="en-US" dirty="0" err="1"/>
-              <a:t>vào</a:t>
-            </a:r>
-            <a:r>
-              <a:rPr lang="en-US" dirty="0"/>
-              <a:t> bin </a:t>
-            </a:r>
-            <a:r>
-              <a:rPr lang="en-US" dirty="0" err="1"/>
-              <a:t>đầu</a:t>
-            </a:r>
-            <a:r>
-              <a:rPr lang="en-US" dirty="0"/>
-              <a:t> </a:t>
-            </a:r>
-            <a:r>
-              <a:rPr lang="en-US" dirty="0" err="1"/>
-              <a:t>tiên</a:t>
-            </a:r>
-            <a:r>
-              <a:rPr lang="en-US" dirty="0"/>
-              <a:t> </a:t>
-            </a:r>
-            <a:r>
-              <a:rPr lang="en-US" dirty="0" err="1"/>
-              <a:t>thỏa</a:t>
-            </a:r>
-            <a:r>
-              <a:rPr lang="en-US" dirty="0"/>
-              <a:t> </a:t>
-            </a:r>
-            <a:r>
-              <a:rPr lang="en-US" dirty="0" err="1"/>
-              <a:t>mãn</a:t>
-            </a:r>
-            <a:r>
-              <a:rPr lang="en-US" dirty="0"/>
-              <a:t> </a:t>
-            </a:r>
-            <a:r>
-              <a:rPr lang="en-US" dirty="0" err="1"/>
-              <a:t>tất</a:t>
-            </a:r>
-            <a:r>
-              <a:rPr lang="en-US" dirty="0"/>
-              <a:t> </a:t>
-            </a:r>
-            <a:r>
-              <a:rPr lang="en-US" dirty="0" err="1"/>
-              <a:t>cả</a:t>
-            </a:r>
-            <a:r>
-              <a:rPr lang="en-US" dirty="0"/>
-              <a:t> </a:t>
-            </a:r>
-            <a:r>
-              <a:rPr lang="en-US" dirty="0" err="1"/>
-              <a:t>điều</a:t>
-            </a:r>
-            <a:r>
-              <a:rPr lang="en-US" dirty="0"/>
-              <a:t> </a:t>
-            </a:r>
-            <a:r>
-              <a:rPr lang="en-US" dirty="0" err="1"/>
-              <a:t>kiện</a:t>
-            </a:r>
-            <a:r>
-              <a:rPr lang="en-US" dirty="0"/>
-              <a:t> </a:t>
-            </a:r>
-            <a:r>
-              <a:rPr lang="en-US" dirty="0" err="1"/>
-              <a:t>về</a:t>
-            </a:r>
-            <a:r>
-              <a:rPr lang="en-US" dirty="0"/>
-              <a:t> </a:t>
-            </a:r>
-            <a:r>
-              <a:rPr lang="en-US" dirty="0">
-                <a:solidFill>
-                  <a:srgbClr val="FF0000"/>
-                </a:solidFill>
-              </a:rPr>
-              <a:t>R,T,P,W,LW.</a:t>
-            </a:r>
             <a:endParaRPr lang="en-US" dirty="0"/>
           </a:p>
           <a:p>
@@ -13289,7 +12928,7 @@
     </p:spTree>
     <p:extLst>
       <p:ext uri="{BB962C8B-B14F-4D97-AF65-F5344CB8AC3E}">
-        <p14:creationId xmlns:p14="http://schemas.microsoft.com/office/powerpoint/2010/main" val="506574207"/>
+        <p14:creationId xmlns:p14="http://schemas.microsoft.com/office/powerpoint/2010/main" val="3767003778"/>
       </p:ext>
     </p:extLst>
   </p:cSld>
@@ -13333,31 +12972,31 @@
           <a:p>
             <a:r>
               <a:rPr lang="en-US" dirty="0" err="1"/>
-              <a:t>Kết</a:t>
-            </a:r>
-            <a:r>
-              <a:rPr lang="en-US" dirty="0"/>
-              <a:t> </a:t>
-            </a:r>
-            <a:r>
-              <a:rPr lang="en-US" dirty="0" err="1"/>
-              <a:t>quả</a:t>
-            </a:r>
-            <a:r>
-              <a:rPr lang="en-US" dirty="0"/>
-              <a:t> </a:t>
-            </a:r>
-            <a:r>
-              <a:rPr lang="en-US" dirty="0" err="1"/>
-              <a:t>thử</a:t>
-            </a:r>
-            <a:r>
-              <a:rPr lang="en-US" dirty="0"/>
-              <a:t> </a:t>
-            </a:r>
-            <a:r>
-              <a:rPr lang="en-US" dirty="0" err="1"/>
-              <a:t>nghiệm</a:t>
+              <a:t>Thuật</a:t>
+            </a:r>
+            <a:r>
+              <a:rPr lang="en-US" dirty="0"/>
+              <a:t> </a:t>
+            </a:r>
+            <a:r>
+              <a:rPr lang="en-US" dirty="0" err="1"/>
+              <a:t>toán</a:t>
+            </a:r>
+            <a:r>
+              <a:rPr lang="en-US" dirty="0"/>
+              <a:t> </a:t>
+            </a:r>
+            <a:r>
+              <a:rPr lang="en-US" dirty="0" err="1"/>
+              <a:t>tìm</a:t>
+            </a:r>
+            <a:r>
+              <a:rPr lang="en-US" dirty="0"/>
+              <a:t> </a:t>
+            </a:r>
+            <a:r>
+              <a:rPr lang="en-US" dirty="0" err="1"/>
+              <a:t>kiếm</a:t>
             </a:r>
             <a:endParaRPr lang="en-US" dirty="0"/>
           </a:p>
@@ -13373,140 +13012,19 @@
             <p:ph idx="1"/>
           </p:nvPr>
         </p:nvSpPr>
-        <p:spPr/>
+        <p:spPr>
+          <a:xfrm>
+            <a:off x="677334" y="1830389"/>
+            <a:ext cx="8596668" cy="3880773"/>
+          </a:xfrm>
+        </p:spPr>
         <p:txBody>
           <a:bodyPr/>
           <a:lstStyle/>
           <a:p>
             <a:r>
               <a:rPr lang="en-US" dirty="0"/>
-              <a:t>Batch hill climbing: </a:t>
-            </a:r>
-          </a:p>
-          <a:p>
-            <a:pPr lvl="1"/>
-            <a:r>
-              <a:rPr lang="en-US" dirty="0" err="1"/>
-              <a:t>Thời</a:t>
-            </a:r>
-            <a:r>
-              <a:rPr lang="en-US" dirty="0"/>
-              <a:t> </a:t>
-            </a:r>
-            <a:r>
-              <a:rPr lang="en-US" dirty="0" err="1"/>
-              <a:t>gian</a:t>
-            </a:r>
-            <a:r>
-              <a:rPr lang="en-US" dirty="0"/>
-              <a:t> </a:t>
-            </a:r>
-            <a:r>
-              <a:rPr lang="en-US" dirty="0" err="1"/>
-              <a:t>chạy</a:t>
-            </a:r>
-            <a:r>
-              <a:rPr lang="en-US" dirty="0"/>
-              <a:t>: 25 s/step (batch size 25)</a:t>
-            </a:r>
-          </a:p>
-          <a:p>
-            <a:pPr lvl="1"/>
-            <a:r>
-              <a:rPr lang="en-US" dirty="0" err="1"/>
-              <a:t>Kết</a:t>
-            </a:r>
-            <a:r>
-              <a:rPr lang="en-US" dirty="0"/>
-              <a:t> </a:t>
-            </a:r>
-            <a:r>
-              <a:rPr lang="en-US" dirty="0" err="1"/>
-              <a:t>quả</a:t>
-            </a:r>
-            <a:r>
-              <a:rPr lang="en-US" dirty="0"/>
-              <a:t>: - 455 items </a:t>
-            </a:r>
-            <a:r>
-              <a:rPr lang="en-US" dirty="0" err="1"/>
-              <a:t>cho</a:t>
-            </a:r>
-            <a:r>
-              <a:rPr lang="en-US" dirty="0"/>
-              <a:t> file 1000 (600 steps)</a:t>
-            </a:r>
-          </a:p>
-          <a:p>
-            <a:pPr lvl="1"/>
-            <a:endParaRPr lang="en-US" dirty="0"/>
-          </a:p>
-          <a:p>
-            <a:endParaRPr lang="en-US" dirty="0"/>
-          </a:p>
-          <a:p>
-            <a:r>
-              <a:rPr lang="en-US" dirty="0"/>
               <a:t>Greedy: </a:t>
-            </a:r>
-          </a:p>
-          <a:p>
-            <a:pPr lvl="1"/>
-            <a:r>
-              <a:rPr lang="en-US" dirty="0" err="1"/>
-              <a:t>Thời</a:t>
-            </a:r>
-            <a:r>
-              <a:rPr lang="en-US" dirty="0"/>
-              <a:t> </a:t>
-            </a:r>
-            <a:r>
-              <a:rPr lang="en-US" dirty="0" err="1"/>
-              <a:t>gian</a:t>
-            </a:r>
-            <a:r>
-              <a:rPr lang="en-US" dirty="0"/>
-              <a:t> </a:t>
-            </a:r>
-            <a:r>
-              <a:rPr lang="en-US" dirty="0" err="1"/>
-              <a:t>chạy</a:t>
-            </a:r>
-            <a:r>
-              <a:rPr lang="en-US" dirty="0"/>
-              <a:t>: 1~2 </a:t>
-            </a:r>
-            <a:r>
-              <a:rPr lang="en-US" dirty="0" err="1"/>
-              <a:t>phút</a:t>
-            </a:r>
-            <a:endParaRPr lang="en-US" dirty="0"/>
-          </a:p>
-          <a:p>
-            <a:pPr lvl="1"/>
-            <a:r>
-              <a:rPr lang="en-US" dirty="0" err="1"/>
-              <a:t>Kết</a:t>
-            </a:r>
-            <a:r>
-              <a:rPr lang="en-US" dirty="0"/>
-              <a:t> </a:t>
-            </a:r>
-            <a:r>
-              <a:rPr lang="en-US" dirty="0" err="1"/>
-              <a:t>quả</a:t>
-            </a:r>
-            <a:r>
-              <a:rPr lang="en-US" dirty="0"/>
-              <a:t>: - 610 items </a:t>
-            </a:r>
-            <a:r>
-              <a:rPr lang="en-US" dirty="0" err="1"/>
-              <a:t>cho</a:t>
-            </a:r>
-            <a:r>
-              <a:rPr lang="en-US" dirty="0"/>
-              <a:t> file 1000</a:t>
             </a:r>
           </a:p>
           <a:p>
@@ -13514,8 +13032,296 @@
               <a:buNone/>
             </a:pPr>
             <a:r>
-              <a:rPr lang="en-US" dirty="0"/>
-              <a:t>                  - 2582 items </a:t>
+              <a:rPr lang="en-US" dirty="0" err="1"/>
+              <a:t>Lần</a:t>
+            </a:r>
+            <a:r>
+              <a:rPr lang="en-US" dirty="0"/>
+              <a:t> 1:</a:t>
+            </a:r>
+          </a:p>
+          <a:p>
+            <a:pPr marL="800100" lvl="1" indent="-342900">
+              <a:buFont typeface="+mj-lt"/>
+              <a:buAutoNum type="arabicPeriod"/>
+            </a:pPr>
+            <a:r>
+              <a:rPr lang="en-US" dirty="0" err="1"/>
+              <a:t>Tách</a:t>
+            </a:r>
+            <a:r>
+              <a:rPr lang="en-US" dirty="0"/>
+              <a:t> item </a:t>
+            </a:r>
+            <a:r>
+              <a:rPr lang="en-US" dirty="0" err="1"/>
+              <a:t>thành</a:t>
+            </a:r>
+            <a:r>
+              <a:rPr lang="en-US" dirty="0"/>
+              <a:t> </a:t>
+            </a:r>
+            <a:r>
+              <a:rPr lang="en-US" dirty="0" err="1"/>
+              <a:t>các</a:t>
+            </a:r>
+            <a:r>
+              <a:rPr lang="en-US" dirty="0"/>
+              <a:t> group </a:t>
+            </a:r>
+            <a:r>
+              <a:rPr lang="en-US" dirty="0" err="1"/>
+              <a:t>theo</a:t>
+            </a:r>
+            <a:r>
+              <a:rPr lang="en-US" dirty="0"/>
+              <a:t> </a:t>
+            </a:r>
+            <a:r>
+              <a:rPr lang="en-US" dirty="0">
+                <a:solidFill>
+                  <a:srgbClr val="FF0000"/>
+                </a:solidFill>
+              </a:rPr>
+              <a:t>r, t </a:t>
+            </a:r>
+            <a:r>
+              <a:rPr lang="en-US" dirty="0" err="1"/>
+              <a:t>và</a:t>
+            </a:r>
+            <a:r>
+              <a:rPr lang="en-US" dirty="0"/>
+              <a:t> </a:t>
+            </a:r>
+            <a:r>
+              <a:rPr lang="en-US" dirty="0" err="1"/>
+              <a:t>sắp</a:t>
+            </a:r>
+            <a:r>
+              <a:rPr lang="en-US" dirty="0"/>
+              <a:t> </a:t>
+            </a:r>
+            <a:r>
+              <a:rPr lang="en-US" dirty="0" err="1"/>
+              <a:t>xếp</a:t>
+            </a:r>
+            <a:r>
+              <a:rPr lang="en-US" dirty="0"/>
+              <a:t> </a:t>
+            </a:r>
+            <a:r>
+              <a:rPr lang="en-US" dirty="0" err="1"/>
+              <a:t>theo</a:t>
+            </a:r>
+            <a:r>
+              <a:rPr lang="en-US" dirty="0"/>
+              <a:t> </a:t>
+            </a:r>
+            <a:r>
+              <a:rPr lang="en-US" dirty="0" err="1"/>
+              <a:t>tăng</a:t>
+            </a:r>
+            <a:r>
+              <a:rPr lang="en-US" dirty="0"/>
+              <a:t> </a:t>
+            </a:r>
+            <a:r>
+              <a:rPr lang="en-US" dirty="0" err="1"/>
+              <a:t>dần</a:t>
+            </a:r>
+            <a:r>
+              <a:rPr lang="en-US" dirty="0"/>
+              <a:t> </a:t>
+            </a:r>
+            <a:r>
+              <a:rPr lang="en-US" dirty="0">
+                <a:solidFill>
+                  <a:srgbClr val="FF0000"/>
+                </a:solidFill>
+              </a:rPr>
+              <a:t>w</a:t>
+            </a:r>
+            <a:r>
+              <a:rPr lang="en-US" dirty="0"/>
+              <a:t>	</a:t>
+            </a:r>
+          </a:p>
+          <a:p>
+            <a:pPr marL="800100" lvl="1" indent="-342900">
+              <a:buFont typeface="+mj-lt"/>
+              <a:buAutoNum type="arabicPeriod"/>
+            </a:pPr>
+            <a:r>
+              <a:rPr lang="en-US" dirty="0" err="1"/>
+              <a:t>Xếp</a:t>
+            </a:r>
+            <a:r>
+              <a:rPr lang="en-US" dirty="0"/>
+              <a:t> </a:t>
+            </a:r>
+            <a:r>
+              <a:rPr lang="en-US" dirty="0" err="1"/>
+              <a:t>lần</a:t>
+            </a:r>
+            <a:r>
+              <a:rPr lang="en-US" dirty="0"/>
+              <a:t> l</a:t>
+            </a:r>
+            <a:r>
+              <a:rPr lang="vi-VN" dirty="0"/>
+              <a:t>ư</a:t>
+            </a:r>
+            <a:r>
+              <a:rPr lang="en-US" dirty="0" err="1"/>
+              <a:t>ợt</a:t>
+            </a:r>
+            <a:r>
+              <a:rPr lang="en-US" dirty="0"/>
+              <a:t> </a:t>
+            </a:r>
+            <a:r>
+              <a:rPr lang="en-US" dirty="0" err="1"/>
+              <a:t>các</a:t>
+            </a:r>
+            <a:r>
+              <a:rPr lang="en-US" dirty="0"/>
+              <a:t> item </a:t>
+            </a:r>
+            <a:r>
+              <a:rPr lang="en-US" dirty="0" err="1"/>
+              <a:t>trong</a:t>
+            </a:r>
+            <a:r>
+              <a:rPr lang="en-US" dirty="0"/>
+              <a:t> </a:t>
+            </a:r>
+            <a:r>
+              <a:rPr lang="en-US" dirty="0" err="1"/>
+              <a:t>mỗi</a:t>
+            </a:r>
+            <a:r>
+              <a:rPr lang="en-US" dirty="0"/>
+              <a:t> group </a:t>
+            </a:r>
+            <a:r>
+              <a:rPr lang="en-US" dirty="0" err="1"/>
+              <a:t>vào</a:t>
+            </a:r>
+            <a:r>
+              <a:rPr lang="en-US" dirty="0"/>
+              <a:t> bin </a:t>
+            </a:r>
+            <a:r>
+              <a:rPr lang="en-US" dirty="0" err="1"/>
+              <a:t>thuộc</a:t>
+            </a:r>
+            <a:r>
+              <a:rPr lang="en-US" dirty="0"/>
+              <a:t> </a:t>
+            </a:r>
+            <a:r>
+              <a:rPr lang="en-US" dirty="0" err="1"/>
+              <a:t>miền</a:t>
+            </a:r>
+            <a:r>
+              <a:rPr lang="en-US" dirty="0"/>
+              <a:t> </a:t>
+            </a:r>
+            <a:r>
+              <a:rPr lang="en-US" dirty="0">
+                <a:solidFill>
+                  <a:srgbClr val="FF0000"/>
+                </a:solidFill>
+              </a:rPr>
+              <a:t>D</a:t>
+            </a:r>
+            <a:r>
+              <a:rPr lang="en-US" dirty="0"/>
+              <a:t> </a:t>
+            </a:r>
+            <a:r>
+              <a:rPr lang="en-US" dirty="0" err="1"/>
+              <a:t>của</a:t>
+            </a:r>
+            <a:r>
+              <a:rPr lang="en-US" dirty="0"/>
+              <a:t> </a:t>
+            </a:r>
+            <a:r>
+              <a:rPr lang="en-US" dirty="0" err="1"/>
+              <a:t>chúng</a:t>
+            </a:r>
+            <a:r>
+              <a:rPr lang="en-US" dirty="0"/>
+              <a:t> (</a:t>
+            </a:r>
+            <a:r>
+              <a:rPr lang="vi-VN" dirty="0"/>
+              <a:t>ư</a:t>
+            </a:r>
+            <a:r>
+              <a:rPr lang="en-US" dirty="0"/>
+              <a:t>u </a:t>
+            </a:r>
+            <a:r>
+              <a:rPr lang="en-US" dirty="0" err="1"/>
+              <a:t>tiên</a:t>
+            </a:r>
+            <a:r>
+              <a:rPr lang="en-US" dirty="0"/>
+              <a:t> </a:t>
+            </a:r>
+            <a:r>
+              <a:rPr lang="en-US" dirty="0" err="1"/>
+              <a:t>các</a:t>
+            </a:r>
+            <a:r>
+              <a:rPr lang="en-US" dirty="0"/>
+              <a:t> bin </a:t>
+            </a:r>
+            <a:r>
+              <a:rPr lang="en-US" dirty="0" err="1"/>
+              <a:t>sắp</a:t>
+            </a:r>
+            <a:r>
+              <a:rPr lang="en-US" dirty="0"/>
+              <a:t> </a:t>
+            </a:r>
+            <a:r>
+              <a:rPr lang="en-US" dirty="0" err="1"/>
+              <a:t>thỏa</a:t>
+            </a:r>
+            <a:r>
+              <a:rPr lang="en-US" dirty="0"/>
+              <a:t> </a:t>
+            </a:r>
+            <a:r>
+              <a:rPr lang="en-US" dirty="0" err="1"/>
+              <a:t>mãn</a:t>
+            </a:r>
+            <a:r>
+              <a:rPr lang="en-US" dirty="0"/>
+              <a:t> </a:t>
+            </a:r>
+            <a:r>
+              <a:rPr lang="en-US" dirty="0">
+                <a:solidFill>
+                  <a:srgbClr val="FF0000"/>
+                </a:solidFill>
+              </a:rPr>
+              <a:t>LW</a:t>
+            </a:r>
+            <a:r>
+              <a:rPr lang="en-US" dirty="0"/>
+              <a:t>) </a:t>
+            </a:r>
+            <a:r>
+              <a:rPr lang="en-US" dirty="0" err="1"/>
+              <a:t>sao</a:t>
+            </a:r>
+            <a:r>
+              <a:rPr lang="en-US" dirty="0"/>
+              <a:t> </a:t>
             </a:r>
             <a:r>
               <a:rPr lang="en-US" dirty="0" err="1"/>
@@ -13523,15 +13329,366 @@
             </a:r>
             <a:r>
               <a:rPr lang="en-US" dirty="0"/>
-              <a:t> file 3000</a:t>
-            </a:r>
+              <a:t> </a:t>
+            </a:r>
+            <a:r>
+              <a:rPr lang="en-US" dirty="0" err="1"/>
+              <a:t>điều</a:t>
+            </a:r>
+            <a:r>
+              <a:rPr lang="en-US" dirty="0"/>
+              <a:t> </a:t>
+            </a:r>
+            <a:r>
+              <a:rPr lang="en-US" dirty="0" err="1"/>
+              <a:t>kiện</a:t>
+            </a:r>
+            <a:r>
+              <a:rPr lang="en-US" dirty="0"/>
+              <a:t> </a:t>
+            </a:r>
+            <a:r>
+              <a:rPr lang="en-US" dirty="0" err="1"/>
+              <a:t>về</a:t>
+            </a:r>
+            <a:r>
+              <a:rPr lang="en-US" dirty="0"/>
+              <a:t> </a:t>
+            </a:r>
+            <a:r>
+              <a:rPr lang="en-US" dirty="0">
+                <a:solidFill>
+                  <a:srgbClr val="FF0000"/>
+                </a:solidFill>
+              </a:rPr>
+              <a:t>R,T,P,W</a:t>
+            </a:r>
+            <a:r>
+              <a:rPr lang="en-US" dirty="0"/>
+              <a:t> đ</a:t>
+            </a:r>
+            <a:r>
+              <a:rPr lang="vi-VN" dirty="0"/>
+              <a:t>ư</a:t>
+            </a:r>
+            <a:r>
+              <a:rPr lang="en-US" dirty="0" err="1"/>
+              <a:t>ợc</a:t>
+            </a:r>
+            <a:r>
+              <a:rPr lang="en-US" dirty="0"/>
+              <a:t> </a:t>
+            </a:r>
+            <a:r>
+              <a:rPr lang="en-US" dirty="0" err="1"/>
+              <a:t>thỏa</a:t>
+            </a:r>
+            <a:r>
+              <a:rPr lang="en-US" dirty="0"/>
+              <a:t> </a:t>
+            </a:r>
+            <a:r>
+              <a:rPr lang="en-US" dirty="0" err="1"/>
+              <a:t>mãn</a:t>
+            </a:r>
+            <a:r>
+              <a:rPr lang="en-US" dirty="0"/>
+              <a:t>.</a:t>
+            </a:r>
+          </a:p>
+          <a:p>
+            <a:pPr marL="800100" lvl="1" indent="-342900">
+              <a:buFont typeface="+mj-lt"/>
+              <a:buAutoNum type="arabicPeriod"/>
+            </a:pPr>
+            <a:r>
+              <a:rPr lang="en-US" dirty="0" err="1"/>
+              <a:t>Thực</a:t>
+            </a:r>
+            <a:r>
+              <a:rPr lang="en-US" dirty="0"/>
+              <a:t> </a:t>
+            </a:r>
+            <a:r>
+              <a:rPr lang="en-US" dirty="0" err="1"/>
+              <a:t>hiện</a:t>
+            </a:r>
+            <a:r>
+              <a:rPr lang="en-US" dirty="0"/>
+              <a:t> </a:t>
+            </a:r>
+            <a:r>
+              <a:rPr lang="en-US" dirty="0" err="1"/>
+              <a:t>cho</a:t>
+            </a:r>
+            <a:r>
+              <a:rPr lang="en-US" dirty="0"/>
+              <a:t> </a:t>
+            </a:r>
+            <a:r>
+              <a:rPr lang="en-US" dirty="0" err="1"/>
+              <a:t>đến</a:t>
+            </a:r>
+            <a:r>
+              <a:rPr lang="en-US" dirty="0"/>
+              <a:t> </a:t>
+            </a:r>
+            <a:r>
+              <a:rPr lang="en-US" dirty="0" err="1"/>
+              <a:t>khi</a:t>
+            </a:r>
+            <a:r>
+              <a:rPr lang="en-US" dirty="0"/>
+              <a:t> </a:t>
+            </a:r>
+            <a:r>
+              <a:rPr lang="en-US" dirty="0" err="1"/>
+              <a:t>hết</a:t>
+            </a:r>
+            <a:r>
+              <a:rPr lang="en-US" dirty="0"/>
+              <a:t> </a:t>
+            </a:r>
+            <a:r>
+              <a:rPr lang="en-US" dirty="0" err="1"/>
+              <a:t>tất</a:t>
+            </a:r>
+            <a:r>
+              <a:rPr lang="en-US" dirty="0"/>
+              <a:t> </a:t>
+            </a:r>
+            <a:r>
+              <a:rPr lang="en-US" dirty="0" err="1"/>
+              <a:t>cả</a:t>
+            </a:r>
+            <a:r>
+              <a:rPr lang="en-US" dirty="0"/>
+              <a:t> group.</a:t>
+            </a:r>
+          </a:p>
+          <a:p>
+            <a:pPr marL="457200" lvl="1" indent="0">
+              <a:buNone/>
+            </a:pPr>
+            <a:r>
+              <a:rPr lang="en-US" dirty="0" err="1"/>
+              <a:t>Lần</a:t>
+            </a:r>
+            <a:r>
+              <a:rPr lang="en-US" dirty="0"/>
+              <a:t> 2:</a:t>
+            </a:r>
+          </a:p>
+          <a:p>
+            <a:pPr marL="800100" lvl="1" indent="-342900">
+              <a:buFont typeface="+mj-lt"/>
+              <a:buAutoNum type="arabicPeriod"/>
+            </a:pPr>
+            <a:r>
+              <a:rPr lang="en-US" dirty="0" err="1"/>
+              <a:t>Lấy</a:t>
+            </a:r>
+            <a:r>
+              <a:rPr lang="en-US" dirty="0"/>
+              <a:t> ra </a:t>
+            </a:r>
+            <a:r>
+              <a:rPr lang="en-US" dirty="0" err="1"/>
+              <a:t>cả</a:t>
+            </a:r>
+            <a:r>
+              <a:rPr lang="en-US" dirty="0"/>
+              <a:t> items </a:t>
+            </a:r>
+            <a:r>
+              <a:rPr lang="en-US" dirty="0" err="1"/>
+              <a:t>mà</a:t>
+            </a:r>
+            <a:r>
+              <a:rPr lang="en-US" dirty="0"/>
+              <a:t> </a:t>
+            </a:r>
+            <a:r>
+              <a:rPr lang="en-US" dirty="0" err="1"/>
+              <a:t>không</a:t>
+            </a:r>
+            <a:r>
+              <a:rPr lang="en-US" dirty="0"/>
+              <a:t> đ</a:t>
+            </a:r>
+            <a:r>
+              <a:rPr lang="vi-VN" dirty="0"/>
+              <a:t>ư</a:t>
+            </a:r>
+            <a:r>
+              <a:rPr lang="en-US" dirty="0" err="1"/>
+              <a:t>ợc</a:t>
+            </a:r>
+            <a:r>
+              <a:rPr lang="en-US" dirty="0"/>
+              <a:t> </a:t>
+            </a:r>
+            <a:r>
+              <a:rPr lang="en-US" dirty="0" err="1"/>
+              <a:t>xếp</a:t>
+            </a:r>
+            <a:r>
+              <a:rPr lang="en-US" dirty="0"/>
+              <a:t> </a:t>
+            </a:r>
+            <a:r>
+              <a:rPr lang="en-US" dirty="0" err="1"/>
+              <a:t>hoặc</a:t>
+            </a:r>
+            <a:r>
+              <a:rPr lang="en-US" dirty="0"/>
+              <a:t> </a:t>
+            </a:r>
+            <a:r>
+              <a:rPr lang="en-US" dirty="0" err="1"/>
+              <a:t>xếp</a:t>
+            </a:r>
+            <a:r>
+              <a:rPr lang="en-US" dirty="0"/>
+              <a:t> </a:t>
+            </a:r>
+            <a:r>
+              <a:rPr lang="en-US" dirty="0" err="1"/>
+              <a:t>vào</a:t>
+            </a:r>
+            <a:r>
+              <a:rPr lang="en-US" dirty="0"/>
+              <a:t> bin vi </a:t>
+            </a:r>
+            <a:r>
+              <a:rPr lang="en-US" dirty="0" err="1"/>
+              <a:t>phạm</a:t>
+            </a:r>
+            <a:r>
+              <a:rPr lang="en-US" dirty="0"/>
+              <a:t>.</a:t>
+            </a:r>
+          </a:p>
+          <a:p>
+            <a:pPr marL="800100" lvl="1" indent="-342900">
+              <a:buFont typeface="+mj-lt"/>
+              <a:buAutoNum type="arabicPeriod"/>
+            </a:pPr>
+            <a:r>
+              <a:rPr lang="en-US" dirty="0" err="1"/>
+              <a:t>Xếp</a:t>
+            </a:r>
+            <a:r>
+              <a:rPr lang="en-US" dirty="0"/>
+              <a:t> </a:t>
+            </a:r>
+            <a:r>
+              <a:rPr lang="en-US" dirty="0" err="1"/>
+              <a:t>chúng</a:t>
+            </a:r>
+            <a:r>
+              <a:rPr lang="en-US" dirty="0"/>
+              <a:t> </a:t>
+            </a:r>
+            <a:r>
+              <a:rPr lang="en-US" dirty="0" err="1"/>
+              <a:t>vào</a:t>
+            </a:r>
+            <a:r>
+              <a:rPr lang="en-US" dirty="0"/>
+              <a:t> bin </a:t>
+            </a:r>
+            <a:r>
+              <a:rPr lang="en-US" dirty="0" err="1"/>
+              <a:t>đầu</a:t>
+            </a:r>
+            <a:r>
+              <a:rPr lang="en-US" dirty="0"/>
+              <a:t> </a:t>
+            </a:r>
+            <a:r>
+              <a:rPr lang="en-US" dirty="0" err="1"/>
+              <a:t>tiên</a:t>
+            </a:r>
+            <a:r>
+              <a:rPr lang="en-US" dirty="0"/>
+              <a:t> </a:t>
+            </a:r>
+            <a:r>
+              <a:rPr lang="en-US" dirty="0" err="1"/>
+              <a:t>thỏa</a:t>
+            </a:r>
+            <a:r>
+              <a:rPr lang="en-US" dirty="0"/>
+              <a:t> </a:t>
+            </a:r>
+            <a:r>
+              <a:rPr lang="en-US" dirty="0" err="1"/>
+              <a:t>mãn</a:t>
+            </a:r>
+            <a:r>
+              <a:rPr lang="en-US" dirty="0"/>
+              <a:t> </a:t>
+            </a:r>
+            <a:r>
+              <a:rPr lang="en-US" dirty="0" err="1"/>
+              <a:t>tất</a:t>
+            </a:r>
+            <a:r>
+              <a:rPr lang="en-US" dirty="0"/>
+              <a:t> </a:t>
+            </a:r>
+            <a:r>
+              <a:rPr lang="en-US" dirty="0" err="1"/>
+              <a:t>cả</a:t>
+            </a:r>
+            <a:r>
+              <a:rPr lang="en-US" dirty="0"/>
+              <a:t> </a:t>
+            </a:r>
+            <a:r>
+              <a:rPr lang="en-US" dirty="0" err="1"/>
+              <a:t>điều</a:t>
+            </a:r>
+            <a:r>
+              <a:rPr lang="en-US" dirty="0"/>
+              <a:t> </a:t>
+            </a:r>
+            <a:r>
+              <a:rPr lang="en-US" dirty="0" err="1"/>
+              <a:t>kiện</a:t>
+            </a:r>
+            <a:r>
+              <a:rPr lang="en-US" dirty="0"/>
+              <a:t> </a:t>
+            </a:r>
+            <a:r>
+              <a:rPr lang="en-US" dirty="0" err="1"/>
+              <a:t>về</a:t>
+            </a:r>
+            <a:r>
+              <a:rPr lang="en-US" dirty="0"/>
+              <a:t> </a:t>
+            </a:r>
+            <a:r>
+              <a:rPr lang="en-US" dirty="0">
+                <a:solidFill>
+                  <a:srgbClr val="FF0000"/>
+                </a:solidFill>
+              </a:rPr>
+              <a:t>R,T,P,W,LW.</a:t>
+            </a:r>
+            <a:endParaRPr lang="en-US" dirty="0"/>
+          </a:p>
+          <a:p>
+            <a:endParaRPr lang="en-US" dirty="0"/>
           </a:p>
         </p:txBody>
       </p:sp>
     </p:spTree>
     <p:extLst>
       <p:ext uri="{BB962C8B-B14F-4D97-AF65-F5344CB8AC3E}">
-        <p14:creationId xmlns:p14="http://schemas.microsoft.com/office/powerpoint/2010/main" val="4054432532"/>
+        <p14:creationId xmlns:p14="http://schemas.microsoft.com/office/powerpoint/2010/main" val="506574207"/>
       </p:ext>
     </p:extLst>
   </p:cSld>
